--- a/220620_g-RIPS_introduction.pptx
+++ b/220620_g-RIPS_introduction.pptx
@@ -4198,7 +4198,7 @@
             <a:fld id="{8EF91EEF-4211-495F-9446-6920F40F4AD4}" type="datetime1">
               <a:rPr kumimoji="1" lang="ja-JP" altLang="en-US" smtClean="0"/>
               <a:pPr/>
-              <a:t>2022/6/17</a:t>
+              <a:t>2022/6/21</a:t>
             </a:fld>
             <a:endParaRPr kumimoji="1" lang="ja-JP" altLang="en-US" dirty="0"/>
           </a:p>
@@ -4440,7 +4440,7 @@
             <a:fld id="{293C4DAC-43D7-4D81-9C39-90514BC9E9F0}" type="datetime1">
               <a:rPr kumimoji="1" lang="ja-JP" altLang="en-US" smtClean="0"/>
               <a:pPr/>
-              <a:t>2022/6/17</a:t>
+              <a:t>2022/6/21</a:t>
             </a:fld>
             <a:endParaRPr kumimoji="1" lang="ja-JP" altLang="en-US" dirty="0"/>
           </a:p>
@@ -4682,7 +4682,7 @@
             <a:fld id="{5C04899A-FA18-4ED4-BEA9-F4F6C0438376}" type="datetime1">
               <a:rPr kumimoji="1" lang="ja-JP" altLang="en-US" smtClean="0"/>
               <a:pPr/>
-              <a:t>2022/6/17</a:t>
+              <a:t>2022/6/21</a:t>
             </a:fld>
             <a:endParaRPr kumimoji="1" lang="ja-JP" altLang="en-US" dirty="0"/>
           </a:p>
@@ -5141,7 +5141,7 @@
             <a:fld id="{69C33197-9AC8-4BF9-9D55-A2CE29E5D1F4}" type="datetime1">
               <a:rPr kumimoji="1" lang="ja-JP" altLang="en-US" smtClean="0"/>
               <a:pPr/>
-              <a:t>2022/6/17</a:t>
+              <a:t>2022/6/21</a:t>
             </a:fld>
             <a:endParaRPr kumimoji="1" lang="ja-JP" altLang="en-US" dirty="0"/>
           </a:p>
@@ -5418,7 +5418,7 @@
             <a:fld id="{7483408E-0163-4893-A911-8913199E85AE}" type="datetime1">
               <a:rPr kumimoji="1" lang="ja-JP" altLang="en-US" smtClean="0"/>
               <a:pPr/>
-              <a:t>2022/6/17</a:t>
+              <a:t>2022/6/21</a:t>
             </a:fld>
             <a:endParaRPr kumimoji="1" lang="ja-JP" altLang="en-US" dirty="0"/>
           </a:p>
@@ -5807,7 +5807,7 @@
             <a:fld id="{8205094E-C5F9-4008-8DBB-939374151134}" type="datetime1">
               <a:rPr kumimoji="1" lang="ja-JP" altLang="en-US" smtClean="0"/>
               <a:pPr/>
-              <a:t>2022/6/17</a:t>
+              <a:t>2022/6/21</a:t>
             </a:fld>
             <a:endParaRPr kumimoji="1" lang="ja-JP" altLang="en-US" dirty="0"/>
           </a:p>
@@ -6336,7 +6336,7 @@
             <a:fld id="{67F2E4E1-33C6-4AB7-A211-C1341055302E}" type="datetime1">
               <a:rPr kumimoji="1" lang="ja-JP" altLang="en-US" smtClean="0"/>
               <a:pPr/>
-              <a:t>2022/6/17</a:t>
+              <a:t>2022/6/21</a:t>
             </a:fld>
             <a:endParaRPr kumimoji="1" lang="ja-JP" altLang="en-US" dirty="0"/>
           </a:p>
@@ -6487,7 +6487,7 @@
             <a:fld id="{CD7A568A-9CB2-4775-AE5B-BAAFB6C6C26B}" type="datetime1">
               <a:rPr kumimoji="1" lang="ja-JP" altLang="en-US" smtClean="0"/>
               <a:pPr/>
-              <a:t>2022/6/17</a:t>
+              <a:t>2022/6/21</a:t>
             </a:fld>
             <a:endParaRPr kumimoji="1" lang="ja-JP" altLang="en-US" dirty="0"/>
           </a:p>
@@ -6608,7 +6608,7 @@
             <a:fld id="{95F09A4A-C393-4680-B40A-19786C1730B9}" type="datetime1">
               <a:rPr kumimoji="1" lang="ja-JP" altLang="en-US" smtClean="0"/>
               <a:pPr/>
-              <a:t>2022/6/17</a:t>
+              <a:t>2022/6/21</a:t>
             </a:fld>
             <a:endParaRPr kumimoji="1" lang="ja-JP" altLang="en-US" dirty="0"/>
           </a:p>
@@ -6950,7 +6950,7 @@
             <a:fld id="{7E4AA604-BB55-46C2-B2DE-E224E81897B3}" type="datetime1">
               <a:rPr kumimoji="1" lang="ja-JP" altLang="en-US" smtClean="0"/>
               <a:pPr/>
-              <a:t>2022/6/17</a:t>
+              <a:t>2022/6/21</a:t>
             </a:fld>
             <a:endParaRPr kumimoji="1" lang="ja-JP" altLang="en-US" dirty="0"/>
           </a:p>
@@ -7241,7 +7241,7 @@
             <a:fld id="{249AAE6C-ED4E-42EC-9E26-3FB9175827F7}" type="datetime1">
               <a:rPr kumimoji="1" lang="ja-JP" altLang="en-US" smtClean="0"/>
               <a:pPr/>
-              <a:t>2022/6/17</a:t>
+              <a:t>2022/6/21</a:t>
             </a:fld>
             <a:endParaRPr kumimoji="1" lang="ja-JP" altLang="en-US" dirty="0"/>
           </a:p>
